--- a/Document/2dProgram_ppt_01.pptx
+++ b/Document/2dProgram_ppt_01.pptx
@@ -501,7 +501,7 @@
             <a:fld id="{70182831-B832-4DDA-B7D6-C0B3123D57F9}" type="datetimeFigureOut">
               <a:rPr lang="ko-KR" altLang="en-US" smtClean="0"/>
               <a:pPr/>
-              <a:t>2015-09-22</a:t>
+              <a:t>2015-09-24</a:t>
             </a:fld>
             <a:endParaRPr lang="ko-KR" altLang="en-US"/>
           </a:p>
@@ -668,7 +668,7 @@
             <a:fld id="{70182831-B832-4DDA-B7D6-C0B3123D57F9}" type="datetimeFigureOut">
               <a:rPr lang="ko-KR" altLang="en-US" smtClean="0"/>
               <a:pPr/>
-              <a:t>2015-09-22</a:t>
+              <a:t>2015-09-24</a:t>
             </a:fld>
             <a:endParaRPr lang="ko-KR" altLang="en-US"/>
           </a:p>
@@ -845,7 +845,7 @@
             <a:fld id="{70182831-B832-4DDA-B7D6-C0B3123D57F9}" type="datetimeFigureOut">
               <a:rPr lang="ko-KR" altLang="en-US" smtClean="0"/>
               <a:pPr/>
-              <a:t>2015-09-22</a:t>
+              <a:t>2015-09-24</a:t>
             </a:fld>
             <a:endParaRPr lang="ko-KR" altLang="en-US"/>
           </a:p>
@@ -1016,7 +1016,7 @@
             <a:fld id="{70182831-B832-4DDA-B7D6-C0B3123D57F9}" type="datetimeFigureOut">
               <a:rPr lang="ko-KR" altLang="en-US" smtClean="0"/>
               <a:pPr/>
-              <a:t>2015-09-22</a:t>
+              <a:t>2015-09-24</a:t>
             </a:fld>
             <a:endParaRPr lang="ko-KR" altLang="en-US"/>
           </a:p>
@@ -1473,7 +1473,7 @@
             <a:fld id="{70182831-B832-4DDA-B7D6-C0B3123D57F9}" type="datetimeFigureOut">
               <a:rPr lang="ko-KR" altLang="en-US" smtClean="0"/>
               <a:pPr/>
-              <a:t>2015-09-22</a:t>
+              <a:t>2015-09-24</a:t>
             </a:fld>
             <a:endParaRPr lang="ko-KR" altLang="en-US"/>
           </a:p>
@@ -1739,7 +1739,7 @@
             <a:fld id="{70182831-B832-4DDA-B7D6-C0B3123D57F9}" type="datetimeFigureOut">
               <a:rPr lang="ko-KR" altLang="en-US" smtClean="0"/>
               <a:pPr/>
-              <a:t>2015-09-22</a:t>
+              <a:t>2015-09-24</a:t>
             </a:fld>
             <a:endParaRPr lang="ko-KR" altLang="en-US"/>
           </a:p>
@@ -2115,7 +2115,7 @@
             <a:fld id="{70182831-B832-4DDA-B7D6-C0B3123D57F9}" type="datetimeFigureOut">
               <a:rPr lang="ko-KR" altLang="en-US" smtClean="0"/>
               <a:pPr/>
-              <a:t>2015-09-22</a:t>
+              <a:t>2015-09-24</a:t>
             </a:fld>
             <a:endParaRPr lang="ko-KR" altLang="en-US"/>
           </a:p>
@@ -2239,7 +2239,7 @@
             <a:fld id="{70182831-B832-4DDA-B7D6-C0B3123D57F9}" type="datetimeFigureOut">
               <a:rPr lang="ko-KR" altLang="en-US" smtClean="0"/>
               <a:pPr/>
-              <a:t>2015-09-22</a:t>
+              <a:t>2015-09-24</a:t>
             </a:fld>
             <a:endParaRPr lang="ko-KR" altLang="en-US"/>
           </a:p>
@@ -2331,7 +2331,7 @@
             <a:fld id="{70182831-B832-4DDA-B7D6-C0B3123D57F9}" type="datetimeFigureOut">
               <a:rPr lang="ko-KR" altLang="en-US" smtClean="0"/>
               <a:pPr/>
-              <a:t>2015-09-22</a:t>
+              <a:t>2015-09-24</a:t>
             </a:fld>
             <a:endParaRPr lang="ko-KR" altLang="en-US"/>
           </a:p>
@@ -2582,7 +2582,7 @@
             <a:fld id="{70182831-B832-4DDA-B7D6-C0B3123D57F9}" type="datetimeFigureOut">
               <a:rPr lang="ko-KR" altLang="en-US" smtClean="0"/>
               <a:pPr/>
-              <a:t>2015-09-22</a:t>
+              <a:t>2015-09-24</a:t>
             </a:fld>
             <a:endParaRPr lang="ko-KR" altLang="en-US"/>
           </a:p>
@@ -2843,7 +2843,7 @@
             <a:fld id="{70182831-B832-4DDA-B7D6-C0B3123D57F9}" type="datetimeFigureOut">
               <a:rPr lang="ko-KR" altLang="en-US" smtClean="0"/>
               <a:pPr/>
-              <a:t>2015-09-22</a:t>
+              <a:t>2015-09-24</a:t>
             </a:fld>
             <a:endParaRPr lang="ko-KR" altLang="en-US"/>
           </a:p>
@@ -3249,7 +3249,7 @@
             <a:fld id="{70182831-B832-4DDA-B7D6-C0B3123D57F9}" type="datetimeFigureOut">
               <a:rPr lang="ko-KR" altLang="en-US" smtClean="0"/>
               <a:pPr/>
-              <a:t>2015-09-22</a:t>
+              <a:t>2015-09-24</a:t>
             </a:fld>
             <a:endParaRPr lang="ko-KR" altLang="en-US"/>
           </a:p>
@@ -4588,6 +4588,76 @@
           <a:effectLst/>
         </p:spPr>
       </p:pic>
+      <p:cxnSp>
+        <p:nvCxnSpPr>
+          <p:cNvPr id="7" name="직선 연결선 6"/>
+          <p:cNvCxnSpPr/>
+          <p:nvPr/>
+        </p:nvCxnSpPr>
+        <p:spPr>
+          <a:xfrm flipV="1">
+            <a:off x="571472" y="500042"/>
+            <a:ext cx="7500990" cy="6000792"/>
+          </a:xfrm>
+          <a:prstGeom prst="line">
+            <a:avLst/>
+          </a:prstGeom>
+          <a:ln w="57150">
+            <a:solidFill>
+              <a:srgbClr val="FF3300"/>
+            </a:solidFill>
+          </a:ln>
+        </p:spPr>
+        <p:style>
+          <a:lnRef idx="1">
+            <a:schemeClr val="accent1"/>
+          </a:lnRef>
+          <a:fillRef idx="0">
+            <a:schemeClr val="accent1"/>
+          </a:fillRef>
+          <a:effectRef idx="0">
+            <a:schemeClr val="accent1"/>
+          </a:effectRef>
+          <a:fontRef idx="minor">
+            <a:schemeClr val="tx1"/>
+          </a:fontRef>
+        </p:style>
+      </p:cxnSp>
+      <p:cxnSp>
+        <p:nvCxnSpPr>
+          <p:cNvPr id="8" name="직선 연결선 7"/>
+          <p:cNvCxnSpPr/>
+          <p:nvPr/>
+        </p:nvCxnSpPr>
+        <p:spPr>
+          <a:xfrm flipH="1" flipV="1">
+            <a:off x="723872" y="652442"/>
+            <a:ext cx="7500990" cy="6000792"/>
+          </a:xfrm>
+          <a:prstGeom prst="line">
+            <a:avLst/>
+          </a:prstGeom>
+          <a:ln w="57150">
+            <a:solidFill>
+              <a:srgbClr val="FF3300"/>
+            </a:solidFill>
+          </a:ln>
+        </p:spPr>
+        <p:style>
+          <a:lnRef idx="1">
+            <a:schemeClr val="accent1"/>
+          </a:lnRef>
+          <a:fillRef idx="0">
+            <a:schemeClr val="accent1"/>
+          </a:fillRef>
+          <a:effectRef idx="0">
+            <a:schemeClr val="accent1"/>
+          </a:effectRef>
+          <a:fontRef idx="minor">
+            <a:schemeClr val="tx1"/>
+          </a:fontRef>
+        </p:style>
+      </p:cxnSp>
     </p:spTree>
   </p:cSld>
   <p:clrMapOvr>
@@ -7024,7 +7094,7 @@
             <p:ph idx="1"/>
             <p:extLst>
               <p:ext uri="{D42A27DB-BD31-4B8C-83A1-F6EECF244321}">
-                <p14:modId xmlns="" xmlns:p14="http://schemas.microsoft.com/office/powerpoint/2010/main" val="3312057864"/>
+                <p14:modId xmlns:p14="http://schemas.microsoft.com/office/powerpoint/2010/main" xmlns="" val="3312057864"/>
               </p:ext>
             </p:extLst>
           </p:nvPr>
@@ -7995,7 +8065,7 @@
             <p:ph idx="1"/>
             <p:extLst>
               <p:ext uri="{D42A27DB-BD31-4B8C-83A1-F6EECF244321}">
-                <p14:modId xmlns="" xmlns:p14="http://schemas.microsoft.com/office/powerpoint/2010/main" val="22264997"/>
+                <p14:modId xmlns:p14="http://schemas.microsoft.com/office/powerpoint/2010/main" xmlns="" val="22264997"/>
               </p:ext>
             </p:extLst>
           </p:nvPr>
@@ -8011,9 +8081,9 @@
                 <a:tableStyleId>{5C22544A-7EE6-4342-B048-85BDC9FD1C3A}</a:tableStyleId>
               </a:tblPr>
               <a:tblGrid>
-                <a:gridCol w="936001"/>
-                <a:gridCol w="1584000"/>
-                <a:gridCol w="5687999"/>
+                <a:gridCol w="1817985"/>
+                <a:gridCol w="1500198"/>
+                <a:gridCol w="4889817"/>
               </a:tblGrid>
               <a:tr h="446400">
                 <a:tc>
@@ -8023,14 +8093,18 @@
                     <a:p>
                       <a:pPr algn="ctr" latinLnBrk="1"/>
                       <a:r>
-                        <a:rPr lang="en-US" altLang="ko-KR" dirty="0" smtClean="0"/>
+                        <a:rPr lang="en-US" altLang="ko-KR" sz="1400" dirty="0" smtClean="0"/>
                         <a:t>1</a:t>
                       </a:r>
                       <a:r>
-                        <a:rPr lang="ko-KR" altLang="en-US" dirty="0" smtClean="0"/>
+                        <a:rPr lang="ko-KR" altLang="en-US" sz="1400" dirty="0" smtClean="0"/>
                         <a:t>주차</a:t>
                       </a:r>
-                      <a:endParaRPr lang="ko-KR" altLang="en-US" dirty="0">
+                      <a:r>
+                        <a:rPr lang="en-US" altLang="ko-KR" sz="1400" dirty="0" smtClean="0"/>
+                        <a:t>(9.29~10.4)</a:t>
+                      </a:r>
+                      <a:endParaRPr lang="ko-KR" altLang="en-US" sz="1400" dirty="0">
                         <a:latin typeface="맑은 고딕" panose="020B0503020000020004" pitchFamily="50" charset="-127"/>
                         <a:ea typeface="맑은 고딕" panose="020B0503020000020004" pitchFamily="50" charset="-127"/>
                       </a:endParaRPr>
@@ -8091,7 +8165,11 @@
                       </a:r>
                       <a:r>
                         <a:rPr lang="ko-KR" altLang="en-US" sz="1200" dirty="0" smtClean="0"/>
-                        <a:t> 처리</a:t>
+                        <a:t> </a:t>
+                      </a:r>
+                      <a:r>
+                        <a:rPr lang="ko-KR" altLang="en-US" sz="1200" dirty="0" smtClean="0"/>
+                        <a:t>구상</a:t>
                       </a:r>
                       <a:r>
                         <a:rPr lang="en-US" altLang="ko-KR" sz="1200" dirty="0" smtClean="0"/>
@@ -8130,14 +8208,18 @@
                     <a:p>
                       <a:pPr algn="ctr" latinLnBrk="1"/>
                       <a:r>
-                        <a:rPr lang="en-US" altLang="ko-KR" dirty="0" smtClean="0"/>
+                        <a:rPr lang="en-US" altLang="ko-KR" sz="1400" dirty="0" smtClean="0"/>
                         <a:t>2</a:t>
                       </a:r>
                       <a:r>
-                        <a:rPr lang="ko-KR" altLang="en-US" dirty="0" smtClean="0"/>
+                        <a:rPr lang="ko-KR" altLang="en-US" sz="1400" dirty="0" smtClean="0"/>
                         <a:t>주차</a:t>
                       </a:r>
-                      <a:endParaRPr lang="ko-KR" altLang="en-US" dirty="0">
+                      <a:r>
+                        <a:rPr lang="en-US" altLang="ko-KR" sz="1400" dirty="0" smtClean="0"/>
+                        <a:t>(10.5~11)</a:t>
+                      </a:r>
+                      <a:endParaRPr lang="ko-KR" altLang="en-US" sz="1400" dirty="0">
                         <a:latin typeface="맑은 고딕" panose="020B0503020000020004" pitchFamily="50" charset="-127"/>
                         <a:ea typeface="맑은 고딕" panose="020B0503020000020004" pitchFamily="50" charset="-127"/>
                       </a:endParaRPr>
@@ -8218,14 +8300,18 @@
                     <a:p>
                       <a:pPr algn="ctr" latinLnBrk="1"/>
                       <a:r>
-                        <a:rPr lang="en-US" altLang="ko-KR" dirty="0" smtClean="0"/>
+                        <a:rPr lang="en-US" altLang="ko-KR" sz="1400" dirty="0" smtClean="0"/>
                         <a:t>3</a:t>
                       </a:r>
                       <a:r>
-                        <a:rPr lang="ko-KR" altLang="en-US" dirty="0" smtClean="0"/>
+                        <a:rPr lang="ko-KR" altLang="en-US" sz="1400" dirty="0" smtClean="0"/>
                         <a:t>주차</a:t>
                       </a:r>
-                      <a:endParaRPr lang="ko-KR" altLang="en-US" dirty="0">
+                      <a:r>
+                        <a:rPr lang="en-US" altLang="ko-KR" sz="1400" dirty="0" smtClean="0"/>
+                        <a:t>(10.12~18)</a:t>
+                      </a:r>
+                      <a:endParaRPr lang="ko-KR" altLang="en-US" sz="1400" dirty="0">
                         <a:latin typeface="맑은 고딕" panose="020B0503020000020004" pitchFamily="50" charset="-127"/>
                         <a:ea typeface="맑은 고딕" panose="020B0503020000020004" pitchFamily="50" charset="-127"/>
                       </a:endParaRPr>
@@ -8318,14 +8404,18 @@
                     <a:p>
                       <a:pPr algn="ctr" latinLnBrk="1"/>
                       <a:r>
-                        <a:rPr lang="en-US" altLang="ko-KR" dirty="0" smtClean="0"/>
+                        <a:rPr lang="en-US" altLang="ko-KR" sz="1400" dirty="0" smtClean="0"/>
                         <a:t>4</a:t>
                       </a:r>
                       <a:r>
-                        <a:rPr lang="ko-KR" altLang="en-US" dirty="0" smtClean="0"/>
+                        <a:rPr lang="ko-KR" altLang="en-US" sz="1400" dirty="0" smtClean="0"/>
                         <a:t>주차</a:t>
                       </a:r>
-                      <a:endParaRPr lang="ko-KR" altLang="en-US" dirty="0">
+                      <a:r>
+                        <a:rPr lang="en-US" altLang="ko-KR" sz="1400" dirty="0" smtClean="0"/>
+                        <a:t>(10.19~25)</a:t>
+                      </a:r>
+                      <a:endParaRPr lang="ko-KR" altLang="en-US" sz="1400" dirty="0">
                         <a:latin typeface="맑은 고딕" panose="020B0503020000020004" pitchFamily="50" charset="-127"/>
                         <a:ea typeface="맑은 고딕" panose="020B0503020000020004" pitchFamily="50" charset="-127"/>
                       </a:endParaRPr>
@@ -8341,7 +8431,18 @@
                       <a:pPr algn="ctr"/>
                       <a:r>
                         <a:rPr lang="ko-KR" altLang="en-US" sz="1200" b="1" dirty="0" smtClean="0"/>
-                        <a:t>충돌 처리</a:t>
+                        <a:t>중간고사</a:t>
+                      </a:r>
+                      <a:r>
+                        <a:rPr lang="en-US" altLang="ko-KR" sz="1200" b="1" dirty="0" smtClean="0"/>
+                        <a:t/>
+                      </a:r>
+                      <a:br>
+                        <a:rPr lang="en-US" altLang="ko-KR" sz="1200" b="1" dirty="0" smtClean="0"/>
+                      </a:br>
+                      <a:r>
+                        <a:rPr lang="ko-KR" altLang="en-US" sz="1200" b="1" dirty="0" smtClean="0"/>
+                        <a:t>중간점검</a:t>
                       </a:r>
                       <a:endParaRPr lang="ko-KR" altLang="en-US" sz="1200" b="1" dirty="0">
                         <a:latin typeface="+mj-lt"/>
@@ -8357,48 +8458,40 @@
                     <a:p>
                       <a:pPr algn="ctr"/>
                       <a:r>
+                        <a:rPr lang="en-US" altLang="ko-KR" sz="1200" dirty="0" smtClean="0"/>
+                        <a:t>3</a:t>
+                      </a:r>
+                      <a:r>
                         <a:rPr lang="ko-KR" altLang="en-US" sz="1200" dirty="0" smtClean="0"/>
-                        <a:t>캐릭터와 충돌 체크</a:t>
-                      </a:r>
+                        <a:t>주차 까지 </a:t>
+                      </a:r>
+                      <a:r>
+                        <a:rPr lang="ko-KR" altLang="en-US" sz="1200" dirty="0" smtClean="0"/>
+                        <a:t>점검 </a:t>
+                      </a:r>
+                      <a:r>
+                        <a:rPr lang="ko-KR" altLang="en-US" sz="1200" dirty="0" smtClean="0"/>
+                        <a:t>및 </a:t>
+                      </a:r>
+                      <a:r>
+                        <a:rPr lang="ko-KR" altLang="en-US" sz="1200" dirty="0" smtClean="0"/>
+                        <a:t>부족한 점 </a:t>
+                      </a:r>
+                      <a:r>
+                        <a:rPr lang="ko-KR" altLang="en-US" sz="1200" dirty="0" smtClean="0"/>
+                        <a:t>보안 </a:t>
+                      </a:r>
+                      <a:endParaRPr lang="en-US" altLang="ko-KR" sz="1200" dirty="0" smtClean="0"/>
+                    </a:p>
+                    <a:p>
+                      <a:pPr algn="ctr"/>
                       <a:r>
                         <a:rPr lang="en-US" altLang="ko-KR" sz="1200" dirty="0" smtClean="0"/>
-                        <a:t>(</a:t>
-                      </a:r>
-                      <a:r>
-                        <a:rPr lang="ko-KR" altLang="en-US" sz="1200" dirty="0" err="1" smtClean="0"/>
-                        <a:t>몬스터</a:t>
-                      </a:r>
-                      <a:r>
-                        <a:rPr lang="en-US" altLang="ko-KR" sz="1200" dirty="0" smtClean="0"/>
-                        <a:t>, </a:t>
+                        <a:t>2</a:t>
                       </a:r>
                       <a:r>
                         <a:rPr lang="ko-KR" altLang="en-US" sz="1200" dirty="0" smtClean="0"/>
-                        <a:t>보스</a:t>
-                      </a:r>
-                      <a:r>
-                        <a:rPr lang="en-US" altLang="ko-KR" sz="1200" dirty="0" smtClean="0"/>
-                        <a:t>,</a:t>
-                      </a:r>
-                      <a:r>
-                        <a:rPr lang="en-US" altLang="ko-KR" sz="1200" baseline="0" dirty="0" smtClean="0"/>
-                        <a:t> </a:t>
-                      </a:r>
-                      <a:r>
-                        <a:rPr lang="ko-KR" altLang="en-US" sz="1200" baseline="0" dirty="0" smtClean="0"/>
-                        <a:t>적 미사일</a:t>
-                      </a:r>
-                      <a:r>
-                        <a:rPr lang="en-US" altLang="ko-KR" sz="1200" baseline="0" dirty="0" smtClean="0"/>
-                        <a:t>, </a:t>
-                      </a:r>
-                      <a:r>
-                        <a:rPr lang="ko-KR" altLang="en-US" sz="1200" baseline="0" dirty="0" smtClean="0"/>
-                        <a:t>특수장애물</a:t>
-                      </a:r>
-                      <a:r>
-                        <a:rPr lang="en-US" altLang="ko-KR" sz="1200" dirty="0" smtClean="0"/>
-                        <a:t>)</a:t>
+                        <a:t>차 발표 준비</a:t>
                       </a:r>
                       <a:endParaRPr lang="ko-KR" altLang="en-US" sz="1200" dirty="0"/>
                     </a:p>
@@ -8414,14 +8507,18 @@
                     <a:p>
                       <a:pPr algn="ctr" latinLnBrk="1"/>
                       <a:r>
-                        <a:rPr lang="en-US" altLang="ko-KR" dirty="0" smtClean="0"/>
+                        <a:rPr lang="en-US" altLang="ko-KR" sz="1400" dirty="0" smtClean="0"/>
                         <a:t>5</a:t>
                       </a:r>
                       <a:r>
-                        <a:rPr lang="ko-KR" altLang="en-US" dirty="0" smtClean="0"/>
+                        <a:rPr lang="ko-KR" altLang="en-US" sz="1400" dirty="0" smtClean="0"/>
                         <a:t>주차</a:t>
                       </a:r>
-                      <a:endParaRPr lang="ko-KR" altLang="en-US" dirty="0">
+                      <a:r>
+                        <a:rPr lang="en-US" altLang="ko-KR" sz="1400" dirty="0" smtClean="0"/>
+                        <a:t>(10.26~11.1)</a:t>
+                      </a:r>
+                      <a:endParaRPr lang="ko-KR" altLang="en-US" sz="1400" dirty="0">
                         <a:latin typeface="맑은 고딕" panose="020B0503020000020004" pitchFamily="50" charset="-127"/>
                         <a:ea typeface="맑은 고딕" panose="020B0503020000020004" pitchFamily="50" charset="-127"/>
                       </a:endParaRPr>
@@ -8437,7 +8534,7 @@
                       <a:pPr algn="ctr"/>
                       <a:r>
                         <a:rPr lang="ko-KR" altLang="en-US" sz="1200" b="1" dirty="0" smtClean="0"/>
-                        <a:t>중간 점검</a:t>
+                        <a:t>충돌 처리</a:t>
                       </a:r>
                       <a:endParaRPr lang="ko-KR" altLang="en-US" sz="1200" b="1" dirty="0">
                         <a:latin typeface="+mj-lt"/>
@@ -8453,24 +8550,48 @@
                     <a:p>
                       <a:pPr algn="ctr"/>
                       <a:r>
+                        <a:rPr lang="ko-KR" altLang="en-US" sz="1200" dirty="0" smtClean="0"/>
+                        <a:t>캐릭터와 충돌 체크</a:t>
+                      </a:r>
+                      <a:r>
                         <a:rPr lang="en-US" altLang="ko-KR" sz="1200" dirty="0" smtClean="0"/>
-                        <a:t>4</a:t>
+                        <a:t>(</a:t>
+                      </a:r>
+                      <a:r>
+                        <a:rPr lang="ko-KR" altLang="en-US" sz="1200" dirty="0" err="1" smtClean="0"/>
+                        <a:t>몬스터</a:t>
+                      </a:r>
+                      <a:r>
+                        <a:rPr lang="en-US" altLang="ko-KR" sz="1200" dirty="0" smtClean="0"/>
+                        <a:t>, </a:t>
                       </a:r>
                       <a:r>
                         <a:rPr lang="ko-KR" altLang="en-US" sz="1200" dirty="0" smtClean="0"/>
-                        <a:t>주차 까지 점검 후 부족한 점 보안</a:t>
-                      </a:r>
-                      <a:endParaRPr lang="en-US" altLang="ko-KR" sz="1200" dirty="0" smtClean="0"/>
-                    </a:p>
-                    <a:p>
-                      <a:pPr algn="ctr"/>
-                      <a:r>
-                        <a:rPr lang="ko-KR" altLang="en-US" sz="1200" dirty="0" smtClean="0"/>
-                        <a:t>특수한 상황들 파악 후 처리방향</a:t>
+                        <a:t>보스</a:t>
+                      </a:r>
+                      <a:r>
+                        <a:rPr lang="en-US" altLang="ko-KR" sz="1200" dirty="0" smtClean="0"/>
+                        <a:t>,</a:t>
+                      </a:r>
+                      <a:r>
+                        <a:rPr lang="en-US" altLang="ko-KR" sz="1200" baseline="0" dirty="0" smtClean="0"/>
+                        <a:t> </a:t>
                       </a:r>
                       <a:r>
                         <a:rPr lang="ko-KR" altLang="en-US" sz="1200" baseline="0" dirty="0" smtClean="0"/>
-                        <a:t> 파악</a:t>
+                        <a:t>적 미사일</a:t>
+                      </a:r>
+                      <a:r>
+                        <a:rPr lang="en-US" altLang="ko-KR" sz="1200" baseline="0" dirty="0" smtClean="0"/>
+                        <a:t>, </a:t>
+                      </a:r>
+                      <a:r>
+                        <a:rPr lang="ko-KR" altLang="en-US" sz="1200" baseline="0" dirty="0" smtClean="0"/>
+                        <a:t>특수장애물</a:t>
+                      </a:r>
+                      <a:r>
+                        <a:rPr lang="en-US" altLang="ko-KR" sz="1200" dirty="0" smtClean="0"/>
+                        <a:t>)</a:t>
                       </a:r>
                       <a:endParaRPr lang="ko-KR" altLang="en-US" sz="1200" dirty="0"/>
                     </a:p>
@@ -8486,14 +8607,18 @@
                     <a:p>
                       <a:pPr algn="ctr" latinLnBrk="1"/>
                       <a:r>
-                        <a:rPr lang="en-US" altLang="ko-KR" dirty="0" smtClean="0"/>
+                        <a:rPr lang="en-US" altLang="ko-KR" sz="1400" dirty="0" smtClean="0"/>
                         <a:t>6</a:t>
                       </a:r>
                       <a:r>
-                        <a:rPr lang="ko-KR" altLang="en-US" dirty="0" smtClean="0"/>
+                        <a:rPr lang="ko-KR" altLang="en-US" sz="1400" dirty="0" smtClean="0"/>
                         <a:t>주차</a:t>
                       </a:r>
-                      <a:endParaRPr lang="ko-KR" altLang="en-US" dirty="0">
+                      <a:r>
+                        <a:rPr lang="en-US" altLang="ko-KR" sz="1400" dirty="0" smtClean="0"/>
+                        <a:t>(11.2~8)</a:t>
+                      </a:r>
+                      <a:endParaRPr lang="ko-KR" altLang="en-US" sz="1400" dirty="0">
                         <a:latin typeface="맑은 고딕" panose="020B0503020000020004" pitchFamily="50" charset="-127"/>
                         <a:ea typeface="맑은 고딕" panose="020B0503020000020004" pitchFamily="50" charset="-127"/>
                       </a:endParaRPr>
@@ -8573,14 +8698,18 @@
                     <a:p>
                       <a:pPr algn="ctr" latinLnBrk="1"/>
                       <a:r>
-                        <a:rPr lang="en-US" altLang="ko-KR" dirty="0" smtClean="0"/>
+                        <a:rPr lang="en-US" altLang="ko-KR" sz="1400" dirty="0" smtClean="0"/>
                         <a:t>7</a:t>
                       </a:r>
                       <a:r>
-                        <a:rPr lang="ko-KR" altLang="en-US" dirty="0" smtClean="0"/>
+                        <a:rPr lang="ko-KR" altLang="en-US" sz="1400" dirty="0" smtClean="0"/>
                         <a:t>주차</a:t>
                       </a:r>
-                      <a:endParaRPr lang="ko-KR" altLang="en-US" dirty="0">
+                      <a:r>
+                        <a:rPr lang="en-US" altLang="ko-KR" sz="1400" dirty="0" smtClean="0"/>
+                        <a:t>(11.9~15)</a:t>
+                      </a:r>
+                      <a:endParaRPr lang="ko-KR" altLang="en-US" sz="1400" dirty="0">
                         <a:latin typeface="맑은 고딕" panose="020B0503020000020004" pitchFamily="50" charset="-127"/>
                         <a:ea typeface="맑은 고딕" panose="020B0503020000020004" pitchFamily="50" charset="-127"/>
                       </a:endParaRPr>
@@ -8629,14 +8758,18 @@
                     <a:p>
                       <a:pPr algn="ctr" latinLnBrk="1"/>
                       <a:r>
-                        <a:rPr lang="en-US" altLang="ko-KR" dirty="0" smtClean="0"/>
+                        <a:rPr lang="en-US" altLang="ko-KR" sz="1400" dirty="0" smtClean="0"/>
                         <a:t>8</a:t>
                       </a:r>
                       <a:r>
-                        <a:rPr lang="ko-KR" altLang="en-US" dirty="0" smtClean="0"/>
+                        <a:rPr lang="ko-KR" altLang="en-US" sz="1400" dirty="0" smtClean="0"/>
                         <a:t>주차</a:t>
                       </a:r>
-                      <a:endParaRPr lang="ko-KR" altLang="en-US" dirty="0">
+                      <a:r>
+                        <a:rPr lang="en-US" altLang="ko-KR" sz="1400" dirty="0" smtClean="0"/>
+                        <a:t>(11.16~22)</a:t>
+                      </a:r>
+                      <a:endParaRPr lang="ko-KR" altLang="en-US" sz="1400" dirty="0">
                         <a:latin typeface="맑은 고딕" panose="020B0503020000020004" pitchFamily="50" charset="-127"/>
                         <a:ea typeface="맑은 고딕" panose="020B0503020000020004" pitchFamily="50" charset="-127"/>
                       </a:endParaRPr>
@@ -8695,6 +8828,14 @@
                         <a:rPr lang="ko-KR" altLang="en-US" sz="1200" dirty="0" smtClean="0"/>
                         <a:t>랭킹</a:t>
                       </a:r>
+                      <a:r>
+                        <a:rPr lang="en-US" altLang="ko-KR" sz="1200" dirty="0" smtClean="0"/>
+                        <a:t>, </a:t>
+                      </a:r>
+                      <a:r>
+                        <a:rPr lang="ko-KR" altLang="en-US" sz="1200" dirty="0" smtClean="0"/>
+                        <a:t>사운드</a:t>
+                      </a:r>
                       <a:endParaRPr lang="ko-KR" altLang="en-US" sz="1200" dirty="0"/>
                     </a:p>
                   </a:txBody>
@@ -8709,14 +8850,18 @@
                     <a:p>
                       <a:pPr algn="ctr" latinLnBrk="1"/>
                       <a:r>
-                        <a:rPr lang="en-US" altLang="ko-KR" dirty="0" smtClean="0"/>
+                        <a:rPr lang="en-US" altLang="ko-KR" sz="1400" dirty="0" smtClean="0"/>
                         <a:t>9</a:t>
                       </a:r>
                       <a:r>
-                        <a:rPr lang="ko-KR" altLang="en-US" dirty="0" smtClean="0"/>
+                        <a:rPr lang="ko-KR" altLang="en-US" sz="1400" dirty="0" smtClean="0"/>
                         <a:t>주차</a:t>
                       </a:r>
-                      <a:endParaRPr lang="ko-KR" altLang="en-US" dirty="0">
+                      <a:r>
+                        <a:rPr lang="en-US" altLang="ko-KR" sz="1400" dirty="0" smtClean="0"/>
+                        <a:t>(11.23~29)</a:t>
+                      </a:r>
+                      <a:endParaRPr lang="ko-KR" altLang="en-US" sz="1400" dirty="0">
                         <a:latin typeface="맑은 고딕" panose="020B0503020000020004" pitchFamily="50" charset="-127"/>
                         <a:ea typeface="맑은 고딕" panose="020B0503020000020004" pitchFamily="50" charset="-127"/>
                       </a:endParaRPr>
@@ -8776,14 +8921,18 @@
                     <a:p>
                       <a:pPr algn="ctr" latinLnBrk="1"/>
                       <a:r>
-                        <a:rPr lang="en-US" altLang="ko-KR" dirty="0" smtClean="0"/>
+                        <a:rPr lang="en-US" altLang="ko-KR" sz="1400" dirty="0" smtClean="0"/>
                         <a:t>10</a:t>
                       </a:r>
                       <a:r>
-                        <a:rPr lang="ko-KR" altLang="en-US" dirty="0" smtClean="0"/>
+                        <a:rPr lang="ko-KR" altLang="en-US" sz="1400" dirty="0" smtClean="0"/>
                         <a:t>주차</a:t>
                       </a:r>
-                      <a:endParaRPr lang="ko-KR" altLang="en-US" dirty="0">
+                      <a:r>
+                        <a:rPr lang="en-US" altLang="ko-KR" sz="1400" dirty="0" smtClean="0"/>
+                        <a:t>(11.30~)</a:t>
+                      </a:r>
+                      <a:endParaRPr lang="ko-KR" altLang="en-US" sz="1400" dirty="0">
                         <a:latin typeface="맑은 고딕" panose="020B0503020000020004" pitchFamily="50" charset="-127"/>
                         <a:ea typeface="맑은 고딕" panose="020B0503020000020004" pitchFamily="50" charset="-127"/>
                       </a:endParaRPr>
